--- a/sctm146-proekt-unrvk-9.pptx
+++ b/sctm146-proekt-unrvk-9.pptx
@@ -13,9 +13,13 @@
     <p:sldId id="271" r:id="rId7"/>
     <p:sldId id="273" r:id="rId8"/>
     <p:sldId id="272" r:id="rId9"/>
-    <p:sldId id="268" r:id="rId10"/>
-    <p:sldId id="266" r:id="rId11"/>
-    <p:sldId id="262" r:id="rId12"/>
+    <p:sldId id="274" r:id="rId10"/>
+    <p:sldId id="275" r:id="rId11"/>
+    <p:sldId id="268" r:id="rId12"/>
+    <p:sldId id="277" r:id="rId13"/>
+    <p:sldId id="266" r:id="rId14"/>
+    <p:sldId id="262" r:id="rId15"/>
+    <p:sldId id="276" r:id="rId16"/>
   </p:sldIdLst>
   <p:sldSz cx="12192000" cy="6858000"/>
   <p:notesSz cx="6858000" cy="9144000"/>
@@ -269,7 +273,7 @@
           <a:p>
             <a:fld id="{12066D7E-410F-F84A-90D5-B2B4358295EE}" type="datetimeFigureOut">
               <a:rPr lang="en-GB" smtClean="0"/>
-              <a:t>07/04/2022</a:t>
+              <a:t>08/04/2022</a:t>
             </a:fld>
             <a:endParaRPr lang="en-GB"/>
           </a:p>
@@ -467,7 +471,7 @@
           <a:p>
             <a:fld id="{12066D7E-410F-F84A-90D5-B2B4358295EE}" type="datetimeFigureOut">
               <a:rPr lang="en-GB" smtClean="0"/>
-              <a:t>07/04/2022</a:t>
+              <a:t>08/04/2022</a:t>
             </a:fld>
             <a:endParaRPr lang="en-GB"/>
           </a:p>
@@ -675,7 +679,7 @@
           <a:p>
             <a:fld id="{12066D7E-410F-F84A-90D5-B2B4358295EE}" type="datetimeFigureOut">
               <a:rPr lang="en-GB" smtClean="0"/>
-              <a:t>07/04/2022</a:t>
+              <a:t>08/04/2022</a:t>
             </a:fld>
             <a:endParaRPr lang="en-GB"/>
           </a:p>
@@ -873,7 +877,7 @@
           <a:p>
             <a:fld id="{12066D7E-410F-F84A-90D5-B2B4358295EE}" type="datetimeFigureOut">
               <a:rPr lang="en-GB" smtClean="0"/>
-              <a:t>07/04/2022</a:t>
+              <a:t>08/04/2022</a:t>
             </a:fld>
             <a:endParaRPr lang="en-GB"/>
           </a:p>
@@ -1148,7 +1152,7 @@
           <a:p>
             <a:fld id="{12066D7E-410F-F84A-90D5-B2B4358295EE}" type="datetimeFigureOut">
               <a:rPr lang="en-GB" smtClean="0"/>
-              <a:t>07/04/2022</a:t>
+              <a:t>08/04/2022</a:t>
             </a:fld>
             <a:endParaRPr lang="en-GB"/>
           </a:p>
@@ -1413,7 +1417,7 @@
           <a:p>
             <a:fld id="{12066D7E-410F-F84A-90D5-B2B4358295EE}" type="datetimeFigureOut">
               <a:rPr lang="en-GB" smtClean="0"/>
-              <a:t>07/04/2022</a:t>
+              <a:t>08/04/2022</a:t>
             </a:fld>
             <a:endParaRPr lang="en-GB"/>
           </a:p>
@@ -1825,7 +1829,7 @@
           <a:p>
             <a:fld id="{12066D7E-410F-F84A-90D5-B2B4358295EE}" type="datetimeFigureOut">
               <a:rPr lang="en-GB" smtClean="0"/>
-              <a:t>07/04/2022</a:t>
+              <a:t>08/04/2022</a:t>
             </a:fld>
             <a:endParaRPr lang="en-GB"/>
           </a:p>
@@ -1966,7 +1970,7 @@
           <a:p>
             <a:fld id="{12066D7E-410F-F84A-90D5-B2B4358295EE}" type="datetimeFigureOut">
               <a:rPr lang="en-GB" smtClean="0"/>
-              <a:t>07/04/2022</a:t>
+              <a:t>08/04/2022</a:t>
             </a:fld>
             <a:endParaRPr lang="en-GB"/>
           </a:p>
@@ -2079,7 +2083,7 @@
           <a:p>
             <a:fld id="{12066D7E-410F-F84A-90D5-B2B4358295EE}" type="datetimeFigureOut">
               <a:rPr lang="en-GB" smtClean="0"/>
-              <a:t>07/04/2022</a:t>
+              <a:t>08/04/2022</a:t>
             </a:fld>
             <a:endParaRPr lang="en-GB"/>
           </a:p>
@@ -2390,7 +2394,7 @@
           <a:p>
             <a:fld id="{12066D7E-410F-F84A-90D5-B2B4358295EE}" type="datetimeFigureOut">
               <a:rPr lang="en-GB" smtClean="0"/>
-              <a:t>07/04/2022</a:t>
+              <a:t>08/04/2022</a:t>
             </a:fld>
             <a:endParaRPr lang="en-GB"/>
           </a:p>
@@ -2678,7 +2682,7 @@
           <a:p>
             <a:fld id="{12066D7E-410F-F84A-90D5-B2B4358295EE}" type="datetimeFigureOut">
               <a:rPr lang="en-GB" smtClean="0"/>
-              <a:t>07/04/2022</a:t>
+              <a:t>08/04/2022</a:t>
             </a:fld>
             <a:endParaRPr lang="en-GB"/>
           </a:p>
@@ -2919,7 +2923,7 @@
           <a:p>
             <a:fld id="{12066D7E-410F-F84A-90D5-B2B4358295EE}" type="datetimeFigureOut">
               <a:rPr lang="en-GB" smtClean="0"/>
-              <a:t>07/04/2022</a:t>
+              <a:t>08/04/2022</a:t>
             </a:fld>
             <a:endParaRPr lang="en-GB"/>
           </a:p>
@@ -3736,10 +3740,195 @@
           <a:chExt cx="0" cy="0"/>
         </a:xfrm>
       </p:grpSpPr>
+      <p:sp>
+        <p:nvSpPr>
+          <p:cNvPr id="4" name="Rectangle 3">
+            <a:extLst>
+              <a:ext uri="{FF2B5EF4-FFF2-40B4-BE49-F238E27FC236}">
+                <a16:creationId xmlns:a16="http://schemas.microsoft.com/office/drawing/2014/main" id="{CF8BCCF9-8A09-4548-9D81-3F19262CD326}"/>
+              </a:ext>
+            </a:extLst>
+          </p:cNvPr>
+          <p:cNvSpPr/>
+          <p:nvPr/>
+        </p:nvSpPr>
+        <p:spPr>
+          <a:xfrm>
+            <a:off x="365256" y="317395"/>
+            <a:ext cx="11509348" cy="528992"/>
+          </a:xfrm>
+          <a:prstGeom prst="rect">
+            <a:avLst/>
+          </a:prstGeom>
+          <a:noFill/>
+          <a:ln>
+            <a:solidFill>
+              <a:schemeClr val="tx1"/>
+            </a:solidFill>
+          </a:ln>
+        </p:spPr>
+        <p:style>
+          <a:lnRef idx="2">
+            <a:schemeClr val="accent6"/>
+          </a:lnRef>
+          <a:fillRef idx="1">
+            <a:schemeClr val="lt1"/>
+          </a:fillRef>
+          <a:effectRef idx="0">
+            <a:schemeClr val="accent6"/>
+          </a:effectRef>
+          <a:fontRef idx="minor">
+            <a:schemeClr val="dk1"/>
+          </a:fontRef>
+        </p:style>
+        <p:txBody>
+          <a:bodyPr rtlCol="0" anchor="ctr"/>
+          <a:lstStyle/>
+          <a:p>
+            <a:pPr algn="ctr"/>
+            <a:endParaRPr lang="en-GB"/>
+          </a:p>
+        </p:txBody>
+      </p:sp>
+      <p:sp>
+        <p:nvSpPr>
+          <p:cNvPr id="6" name="Rectangle 5">
+            <a:extLst>
+              <a:ext uri="{FF2B5EF4-FFF2-40B4-BE49-F238E27FC236}">
+                <a16:creationId xmlns:a16="http://schemas.microsoft.com/office/drawing/2014/main" id="{674060E9-ADD7-5340-9708-92DFAE845D40}"/>
+              </a:ext>
+            </a:extLst>
+          </p:cNvPr>
+          <p:cNvSpPr/>
+          <p:nvPr/>
+        </p:nvSpPr>
+        <p:spPr>
+          <a:xfrm>
+            <a:off x="365256" y="1111178"/>
+            <a:ext cx="11509348" cy="4635643"/>
+          </a:xfrm>
+          <a:prstGeom prst="rect">
+            <a:avLst/>
+          </a:prstGeom>
+          <a:noFill/>
+          <a:ln>
+            <a:solidFill>
+              <a:schemeClr val="tx1"/>
+            </a:solidFill>
+          </a:ln>
+        </p:spPr>
+        <p:style>
+          <a:lnRef idx="2">
+            <a:schemeClr val="accent6"/>
+          </a:lnRef>
+          <a:fillRef idx="1">
+            <a:schemeClr val="lt1"/>
+          </a:fillRef>
+          <a:effectRef idx="0">
+            <a:schemeClr val="accent6"/>
+          </a:effectRef>
+          <a:fontRef idx="minor">
+            <a:schemeClr val="dk1"/>
+          </a:fontRef>
+        </p:style>
+        <p:txBody>
+          <a:bodyPr rtlCol="0" anchor="ctr"/>
+          <a:lstStyle/>
+          <a:p>
+            <a:pPr algn="ctr"/>
+            <a:endParaRPr lang="en-GB"/>
+          </a:p>
+        </p:txBody>
+      </p:sp>
+      <p:sp>
+        <p:nvSpPr>
+          <p:cNvPr id="7" name="Rectangle 6">
+            <a:extLst>
+              <a:ext uri="{FF2B5EF4-FFF2-40B4-BE49-F238E27FC236}">
+                <a16:creationId xmlns:a16="http://schemas.microsoft.com/office/drawing/2014/main" id="{CB0AEC85-DDEC-A948-89DB-C29E427A1882}"/>
+              </a:ext>
+            </a:extLst>
+          </p:cNvPr>
+          <p:cNvSpPr/>
+          <p:nvPr/>
+        </p:nvSpPr>
+        <p:spPr>
+          <a:xfrm>
+            <a:off x="365256" y="6011613"/>
+            <a:ext cx="11509348" cy="528992"/>
+          </a:xfrm>
+          <a:prstGeom prst="rect">
+            <a:avLst/>
+          </a:prstGeom>
+          <a:noFill/>
+          <a:ln>
+            <a:solidFill>
+              <a:schemeClr val="tx1"/>
+            </a:solidFill>
+          </a:ln>
+        </p:spPr>
+        <p:style>
+          <a:lnRef idx="2">
+            <a:schemeClr val="accent6"/>
+          </a:lnRef>
+          <a:fillRef idx="1">
+            <a:schemeClr val="lt1"/>
+          </a:fillRef>
+          <a:effectRef idx="0">
+            <a:schemeClr val="accent6"/>
+          </a:effectRef>
+          <a:fontRef idx="minor">
+            <a:schemeClr val="dk1"/>
+          </a:fontRef>
+        </p:style>
+        <p:txBody>
+          <a:bodyPr rtlCol="0" anchor="ctr"/>
+          <a:lstStyle/>
+          <a:p>
+            <a:pPr algn="ctr"/>
+            <a:endParaRPr lang="en-GB"/>
+          </a:p>
+        </p:txBody>
+      </p:sp>
+      <p:sp>
+        <p:nvSpPr>
+          <p:cNvPr id="12" name="TextBox 11">
+            <a:extLst>
+              <a:ext uri="{FF2B5EF4-FFF2-40B4-BE49-F238E27FC236}">
+                <a16:creationId xmlns:a16="http://schemas.microsoft.com/office/drawing/2014/main" id="{358E67CA-3C95-FF40-86BC-C555D6D7696D}"/>
+              </a:ext>
+            </a:extLst>
+          </p:cNvPr>
+          <p:cNvSpPr txBox="1"/>
+          <p:nvPr/>
+        </p:nvSpPr>
+        <p:spPr>
+          <a:xfrm>
+            <a:off x="439567" y="1166842"/>
+            <a:ext cx="11312865" cy="338554"/>
+          </a:xfrm>
+          <a:prstGeom prst="rect">
+            <a:avLst/>
+          </a:prstGeom>
+          <a:noFill/>
+          <a:ln>
+            <a:noFill/>
+          </a:ln>
+        </p:spPr>
+        <p:txBody>
+          <a:bodyPr wrap="square" rtlCol="0">
+            <a:spAutoFit/>
+          </a:bodyPr>
+          <a:lstStyle/>
+          <a:p>
+            <a:endParaRPr lang="en-GB" sz="1600" dirty="0"/>
+          </a:p>
+        </p:txBody>
+      </p:sp>
     </p:spTree>
     <p:extLst>
       <p:ext uri="{BB962C8B-B14F-4D97-AF65-F5344CB8AC3E}">
-        <p14:creationId xmlns:p14="http://schemas.microsoft.com/office/powerpoint/2010/main" val="2047473254"/>
+        <p14:creationId xmlns:p14="http://schemas.microsoft.com/office/powerpoint/2010/main" val="2774497921"/>
       </p:ext>
     </p:extLst>
   </p:cSld>
@@ -3768,6 +3957,705 @@
       </p:grpSpPr>
       <p:sp>
         <p:nvSpPr>
+          <p:cNvPr id="4" name="Rectangle 3">
+            <a:extLst>
+              <a:ext uri="{FF2B5EF4-FFF2-40B4-BE49-F238E27FC236}">
+                <a16:creationId xmlns:a16="http://schemas.microsoft.com/office/drawing/2014/main" id="{CF8BCCF9-8A09-4548-9D81-3F19262CD326}"/>
+              </a:ext>
+            </a:extLst>
+          </p:cNvPr>
+          <p:cNvSpPr/>
+          <p:nvPr/>
+        </p:nvSpPr>
+        <p:spPr>
+          <a:xfrm>
+            <a:off x="365256" y="317395"/>
+            <a:ext cx="11509348" cy="528992"/>
+          </a:xfrm>
+          <a:prstGeom prst="rect">
+            <a:avLst/>
+          </a:prstGeom>
+          <a:noFill/>
+          <a:ln>
+            <a:solidFill>
+              <a:schemeClr val="tx1"/>
+            </a:solidFill>
+          </a:ln>
+        </p:spPr>
+        <p:style>
+          <a:lnRef idx="2">
+            <a:schemeClr val="accent6"/>
+          </a:lnRef>
+          <a:fillRef idx="1">
+            <a:schemeClr val="lt1"/>
+          </a:fillRef>
+          <a:effectRef idx="0">
+            <a:schemeClr val="accent6"/>
+          </a:effectRef>
+          <a:fontRef idx="minor">
+            <a:schemeClr val="dk1"/>
+          </a:fontRef>
+        </p:style>
+        <p:txBody>
+          <a:bodyPr rtlCol="0" anchor="ctr"/>
+          <a:lstStyle/>
+          <a:p>
+            <a:pPr algn="ctr"/>
+            <a:endParaRPr lang="en-GB"/>
+          </a:p>
+        </p:txBody>
+      </p:sp>
+      <p:sp>
+        <p:nvSpPr>
+          <p:cNvPr id="6" name="Rectangle 5">
+            <a:extLst>
+              <a:ext uri="{FF2B5EF4-FFF2-40B4-BE49-F238E27FC236}">
+                <a16:creationId xmlns:a16="http://schemas.microsoft.com/office/drawing/2014/main" id="{674060E9-ADD7-5340-9708-92DFAE845D40}"/>
+              </a:ext>
+            </a:extLst>
+          </p:cNvPr>
+          <p:cNvSpPr/>
+          <p:nvPr/>
+        </p:nvSpPr>
+        <p:spPr>
+          <a:xfrm>
+            <a:off x="365256" y="1111178"/>
+            <a:ext cx="11509348" cy="4635643"/>
+          </a:xfrm>
+          <a:prstGeom prst="rect">
+            <a:avLst/>
+          </a:prstGeom>
+          <a:noFill/>
+          <a:ln>
+            <a:solidFill>
+              <a:schemeClr val="tx1"/>
+            </a:solidFill>
+          </a:ln>
+        </p:spPr>
+        <p:style>
+          <a:lnRef idx="2">
+            <a:schemeClr val="accent6"/>
+          </a:lnRef>
+          <a:fillRef idx="1">
+            <a:schemeClr val="lt1"/>
+          </a:fillRef>
+          <a:effectRef idx="0">
+            <a:schemeClr val="accent6"/>
+          </a:effectRef>
+          <a:fontRef idx="minor">
+            <a:schemeClr val="dk1"/>
+          </a:fontRef>
+        </p:style>
+        <p:txBody>
+          <a:bodyPr rtlCol="0" anchor="ctr"/>
+          <a:lstStyle/>
+          <a:p>
+            <a:pPr algn="ctr"/>
+            <a:endParaRPr lang="en-GB"/>
+          </a:p>
+        </p:txBody>
+      </p:sp>
+      <p:sp>
+        <p:nvSpPr>
+          <p:cNvPr id="7" name="Rectangle 6">
+            <a:extLst>
+              <a:ext uri="{FF2B5EF4-FFF2-40B4-BE49-F238E27FC236}">
+                <a16:creationId xmlns:a16="http://schemas.microsoft.com/office/drawing/2014/main" id="{CB0AEC85-DDEC-A948-89DB-C29E427A1882}"/>
+              </a:ext>
+            </a:extLst>
+          </p:cNvPr>
+          <p:cNvSpPr/>
+          <p:nvPr/>
+        </p:nvSpPr>
+        <p:spPr>
+          <a:xfrm>
+            <a:off x="365256" y="6011613"/>
+            <a:ext cx="11509348" cy="528992"/>
+          </a:xfrm>
+          <a:prstGeom prst="rect">
+            <a:avLst/>
+          </a:prstGeom>
+          <a:noFill/>
+          <a:ln>
+            <a:solidFill>
+              <a:schemeClr val="tx1"/>
+            </a:solidFill>
+          </a:ln>
+        </p:spPr>
+        <p:style>
+          <a:lnRef idx="2">
+            <a:schemeClr val="accent6"/>
+          </a:lnRef>
+          <a:fillRef idx="1">
+            <a:schemeClr val="lt1"/>
+          </a:fillRef>
+          <a:effectRef idx="0">
+            <a:schemeClr val="accent6"/>
+          </a:effectRef>
+          <a:fontRef idx="minor">
+            <a:schemeClr val="dk1"/>
+          </a:fontRef>
+        </p:style>
+        <p:txBody>
+          <a:bodyPr rtlCol="0" anchor="ctr"/>
+          <a:lstStyle/>
+          <a:p>
+            <a:pPr algn="ctr"/>
+            <a:endParaRPr lang="en-GB"/>
+          </a:p>
+        </p:txBody>
+      </p:sp>
+      <p:sp>
+        <p:nvSpPr>
+          <p:cNvPr id="12" name="TextBox 11">
+            <a:extLst>
+              <a:ext uri="{FF2B5EF4-FFF2-40B4-BE49-F238E27FC236}">
+                <a16:creationId xmlns:a16="http://schemas.microsoft.com/office/drawing/2014/main" id="{358E67CA-3C95-FF40-86BC-C555D6D7696D}"/>
+              </a:ext>
+            </a:extLst>
+          </p:cNvPr>
+          <p:cNvSpPr txBox="1"/>
+          <p:nvPr/>
+        </p:nvSpPr>
+        <p:spPr>
+          <a:xfrm>
+            <a:off x="439567" y="1166842"/>
+            <a:ext cx="11312865" cy="338554"/>
+          </a:xfrm>
+          <a:prstGeom prst="rect">
+            <a:avLst/>
+          </a:prstGeom>
+          <a:noFill/>
+          <a:ln>
+            <a:noFill/>
+          </a:ln>
+        </p:spPr>
+        <p:txBody>
+          <a:bodyPr wrap="square" rtlCol="0">
+            <a:spAutoFit/>
+          </a:bodyPr>
+          <a:lstStyle/>
+          <a:p>
+            <a:endParaRPr lang="en-GB" sz="1600" dirty="0"/>
+          </a:p>
+        </p:txBody>
+      </p:sp>
+      <p:sp>
+        <p:nvSpPr>
+          <p:cNvPr id="8" name="TextBox 7">
+            <a:extLst>
+              <a:ext uri="{FF2B5EF4-FFF2-40B4-BE49-F238E27FC236}">
+                <a16:creationId xmlns:a16="http://schemas.microsoft.com/office/drawing/2014/main" id="{515DB843-B4BA-ED43-82E0-AAA4A1A12D10}"/>
+              </a:ext>
+            </a:extLst>
+          </p:cNvPr>
+          <p:cNvSpPr txBox="1"/>
+          <p:nvPr/>
+        </p:nvSpPr>
+        <p:spPr>
+          <a:xfrm>
+            <a:off x="439567" y="403582"/>
+            <a:ext cx="11312865" cy="369332"/>
+          </a:xfrm>
+          <a:prstGeom prst="rect">
+            <a:avLst/>
+          </a:prstGeom>
+          <a:noFill/>
+          <a:ln>
+            <a:noFill/>
+          </a:ln>
+        </p:spPr>
+        <p:txBody>
+          <a:bodyPr wrap="square" rtlCol="0">
+            <a:spAutoFit/>
+          </a:bodyPr>
+          <a:lstStyle/>
+          <a:p>
+            <a:r>
+              <a:rPr lang="bg-BG" dirty="0"/>
+              <a:t>Списък с референции</a:t>
+            </a:r>
+            <a:endParaRPr lang="en-GB" dirty="0"/>
+          </a:p>
+        </p:txBody>
+      </p:sp>
+      <p:sp>
+        <p:nvSpPr>
+          <p:cNvPr id="9" name="TextBox 8">
+            <a:extLst>
+              <a:ext uri="{FF2B5EF4-FFF2-40B4-BE49-F238E27FC236}">
+                <a16:creationId xmlns:a16="http://schemas.microsoft.com/office/drawing/2014/main" id="{1A1C3C0B-2895-704E-903F-58ACAAF99C78}"/>
+              </a:ext>
+            </a:extLst>
+          </p:cNvPr>
+          <p:cNvSpPr txBox="1"/>
+          <p:nvPr/>
+        </p:nvSpPr>
+        <p:spPr>
+          <a:xfrm>
+            <a:off x="439567" y="1166842"/>
+            <a:ext cx="11312865" cy="2062103"/>
+          </a:xfrm>
+          <a:prstGeom prst="rect">
+            <a:avLst/>
+          </a:prstGeom>
+          <a:noFill/>
+          <a:ln>
+            <a:noFill/>
+          </a:ln>
+        </p:spPr>
+        <p:txBody>
+          <a:bodyPr wrap="square" numCol="2" rtlCol="0">
+            <a:spAutoFit/>
+          </a:bodyPr>
+          <a:lstStyle/>
+          <a:p>
+            <a:r>
+              <a:rPr lang="en-GB" sz="800" dirty="0">
+                <a:hlinkClick r:id="rId2"/>
+              </a:rPr>
+              <a:t>https://www.imperva.com/learn/application-security/zero-day-exploit/</a:t>
+            </a:r>
+            <a:endParaRPr lang="bg-BG" sz="800" dirty="0"/>
+          </a:p>
+          <a:p>
+            <a:endParaRPr lang="en-GB" sz="800" dirty="0"/>
+          </a:p>
+          <a:p>
+            <a:r>
+              <a:rPr lang="en-GB" sz="800" dirty="0">
+                <a:hlinkClick r:id="rId3"/>
+              </a:rPr>
+              <a:t>https://us.norton.com/internetsecurity-emerging-threats-how-do-zero-day-vulnerabilities-work.html</a:t>
+            </a:r>
+            <a:endParaRPr lang="bg-BG" sz="800" dirty="0"/>
+          </a:p>
+          <a:p>
+            <a:endParaRPr lang="bg-BG" sz="800" dirty="0"/>
+          </a:p>
+          <a:p>
+            <a:r>
+              <a:rPr lang="en-GB" sz="800" dirty="0">
+                <a:hlinkClick r:id="rId4"/>
+              </a:rPr>
+              <a:t>https://thesecmaster.com/how-does-the-log4j-vulnerability-work-in-practical/</a:t>
+            </a:r>
+            <a:endParaRPr lang="bg-BG" sz="800" dirty="0"/>
+          </a:p>
+          <a:p>
+            <a:endParaRPr lang="bg-BG" sz="800" dirty="0"/>
+          </a:p>
+          <a:p>
+            <a:r>
+              <a:rPr lang="en-GB" sz="800" dirty="0">
+                <a:hlinkClick r:id="rId5"/>
+              </a:rPr>
+              <a:t>https://d7umqicpi7263.cloudfront.net/img/product/a55efc60-f377-4559-8422-5e828ac7d5fc/1e42c890-e4fd-4bd8-9845-f028dccf0cf8.png</a:t>
+            </a:r>
+            <a:endParaRPr lang="en-GB" sz="800" dirty="0"/>
+          </a:p>
+          <a:p>
+            <a:endParaRPr lang="en-GB" sz="800" dirty="0"/>
+          </a:p>
+          <a:p>
+            <a:r>
+              <a:rPr lang="en-GB" sz="800" dirty="0">
+                <a:hlinkClick r:id="rId6"/>
+              </a:rPr>
+              <a:t>https://miro.medium.com/max/650/1*zzvdRmHGGXONZpuQ2FeqsQ.png</a:t>
+            </a:r>
+            <a:endParaRPr lang="en-GB" sz="800" dirty="0"/>
+          </a:p>
+          <a:p>
+            <a:endParaRPr lang="en-GB" sz="800" dirty="0"/>
+          </a:p>
+          <a:p>
+            <a:r>
+              <a:rPr lang="en-GB" sz="800" dirty="0">
+                <a:hlinkClick r:id="rId7"/>
+              </a:rPr>
+              <a:t>https://maven.apache.org/images/maven-logo-black-on-white.png</a:t>
+            </a:r>
+            <a:endParaRPr lang="en-GB" sz="800" dirty="0"/>
+          </a:p>
+          <a:p>
+            <a:endParaRPr lang="en-GB" sz="800" dirty="0"/>
+          </a:p>
+          <a:p>
+            <a:r>
+              <a:rPr lang="en-GB" sz="800" dirty="0">
+                <a:hlinkClick r:id="rId8"/>
+              </a:rPr>
+              <a:t>https://medium.com/swlh/sonarqube-part-2-features-of-sonarqube-installation-and-some-practice-on-sonarqube-d523ae9a998a</a:t>
+            </a:r>
+            <a:endParaRPr lang="en-GB" sz="800" dirty="0"/>
+          </a:p>
+          <a:p>
+            <a:endParaRPr lang="en-GB" sz="800" dirty="0"/>
+          </a:p>
+          <a:p>
+            <a:r>
+              <a:rPr lang="en-GB" sz="800" dirty="0">
+                <a:hlinkClick r:id="rId9"/>
+              </a:rPr>
+              <a:t>https://www.sonarqube.org/index/sq-homepage-og-image.png</a:t>
+            </a:r>
+            <a:endParaRPr lang="en-GB" sz="800" dirty="0"/>
+          </a:p>
+          <a:p>
+            <a:endParaRPr lang="en-GB" sz="800" dirty="0"/>
+          </a:p>
+          <a:p>
+            <a:r>
+              <a:rPr lang="en-GB" sz="800" dirty="0">
+                <a:hlinkClick r:id="rId10"/>
+              </a:rPr>
+              <a:t>https://www.sonarqube.org/</a:t>
+            </a:r>
+            <a:endParaRPr lang="en-GB" sz="800" dirty="0"/>
+          </a:p>
+          <a:p>
+            <a:endParaRPr lang="en-GB" sz="800" dirty="0"/>
+          </a:p>
+          <a:p>
+            <a:r>
+              <a:rPr lang="en-GB" sz="800" dirty="0">
+                <a:hlinkClick r:id="rId11"/>
+              </a:rPr>
+              <a:t>https://snyk.io/</a:t>
+            </a:r>
+            <a:endParaRPr lang="en-GB" sz="800" dirty="0"/>
+          </a:p>
+          <a:p>
+            <a:endParaRPr lang="en-GB" sz="800" dirty="0"/>
+          </a:p>
+          <a:p>
+            <a:r>
+              <a:rPr lang="en-GB" sz="800" dirty="0">
+                <a:hlinkClick r:id="rId12"/>
+              </a:rPr>
+              <a:t>https://www.taringamberini.com/en/blog/java/ready-to-use-java-dependencies-vulnerability-checker/</a:t>
+            </a:r>
+            <a:endParaRPr lang="en-GB" sz="800" dirty="0"/>
+          </a:p>
+          <a:p>
+            <a:endParaRPr lang="en-GB" sz="800" dirty="0"/>
+          </a:p>
+          <a:p>
+            <a:r>
+              <a:rPr lang="en-GB" sz="800" dirty="0">
+                <a:hlinkClick r:id="rId13"/>
+              </a:rPr>
+              <a:t>https://www.taringamberini.com/images/2016-03-02-ready-to-use-java-dependencies-vulnerability-checker/dependencies_graph_rampart-core-1.3.png</a:t>
+            </a:r>
+            <a:endParaRPr lang="en-GB" sz="800" dirty="0"/>
+          </a:p>
+          <a:p>
+            <a:endParaRPr lang="en-GB" sz="800" dirty="0"/>
+          </a:p>
+          <a:p>
+            <a:r>
+              <a:rPr lang="en-GB" sz="800" dirty="0">
+                <a:hlinkClick r:id="rId14"/>
+              </a:rPr>
+              <a:t>https://openclipart.org/detail/288357/anonymous-hacker-behind-pc</a:t>
+            </a:r>
+            <a:endParaRPr lang="en-GB" sz="800" dirty="0"/>
+          </a:p>
+          <a:p>
+            <a:endParaRPr lang="en-GB" sz="800" dirty="0"/>
+          </a:p>
+          <a:p>
+            <a:endParaRPr lang="bg-BG" sz="800" dirty="0"/>
+          </a:p>
+          <a:p>
+            <a:endParaRPr lang="bg-BG" sz="800" dirty="0"/>
+          </a:p>
+          <a:p>
+            <a:endParaRPr lang="en-GB" sz="800" dirty="0"/>
+          </a:p>
+          <a:p>
+            <a:endParaRPr lang="en-GB" sz="800" dirty="0"/>
+          </a:p>
+        </p:txBody>
+      </p:sp>
+    </p:spTree>
+    <p:extLst>
+      <p:ext uri="{BB962C8B-B14F-4D97-AF65-F5344CB8AC3E}">
+        <p14:creationId xmlns:p14="http://schemas.microsoft.com/office/powerpoint/2010/main" val="1390439238"/>
+      </p:ext>
+    </p:extLst>
+  </p:cSld>
+  <p:clrMapOvr>
+    <a:masterClrMapping/>
+  </p:clrMapOvr>
+</p:sld>
+</file>
+
+<file path=ppt/slides/slide12.xml><?xml version="1.0" encoding="utf-8"?>
+<p:sld xmlns:a="http://schemas.openxmlformats.org/drawingml/2006/main" xmlns:r="http://schemas.openxmlformats.org/officeDocument/2006/relationships" xmlns:p="http://schemas.openxmlformats.org/presentationml/2006/main">
+  <p:cSld>
+    <p:spTree>
+      <p:nvGrpSpPr>
+        <p:cNvPr id="1" name=""/>
+        <p:cNvGrpSpPr/>
+        <p:nvPr/>
+      </p:nvGrpSpPr>
+      <p:grpSpPr>
+        <a:xfrm>
+          <a:off x="0" y="0"/>
+          <a:ext cx="0" cy="0"/>
+          <a:chOff x="0" y="0"/>
+          <a:chExt cx="0" cy="0"/>
+        </a:xfrm>
+      </p:grpSpPr>
+      <p:sp>
+        <p:nvSpPr>
+          <p:cNvPr id="4" name="Rectangle 3">
+            <a:extLst>
+              <a:ext uri="{FF2B5EF4-FFF2-40B4-BE49-F238E27FC236}">
+                <a16:creationId xmlns:a16="http://schemas.microsoft.com/office/drawing/2014/main" id="{CF8BCCF9-8A09-4548-9D81-3F19262CD326}"/>
+              </a:ext>
+            </a:extLst>
+          </p:cNvPr>
+          <p:cNvSpPr/>
+          <p:nvPr/>
+        </p:nvSpPr>
+        <p:spPr>
+          <a:xfrm>
+            <a:off x="365256" y="317395"/>
+            <a:ext cx="11509348" cy="528992"/>
+          </a:xfrm>
+          <a:prstGeom prst="rect">
+            <a:avLst/>
+          </a:prstGeom>
+          <a:noFill/>
+          <a:ln>
+            <a:solidFill>
+              <a:schemeClr val="tx1"/>
+            </a:solidFill>
+          </a:ln>
+        </p:spPr>
+        <p:style>
+          <a:lnRef idx="2">
+            <a:schemeClr val="accent6"/>
+          </a:lnRef>
+          <a:fillRef idx="1">
+            <a:schemeClr val="lt1"/>
+          </a:fillRef>
+          <a:effectRef idx="0">
+            <a:schemeClr val="accent6"/>
+          </a:effectRef>
+          <a:fontRef idx="minor">
+            <a:schemeClr val="dk1"/>
+          </a:fontRef>
+        </p:style>
+        <p:txBody>
+          <a:bodyPr rtlCol="0" anchor="ctr"/>
+          <a:lstStyle/>
+          <a:p>
+            <a:pPr algn="ctr"/>
+            <a:endParaRPr lang="en-GB"/>
+          </a:p>
+        </p:txBody>
+      </p:sp>
+      <p:sp>
+        <p:nvSpPr>
+          <p:cNvPr id="6" name="Rectangle 5">
+            <a:extLst>
+              <a:ext uri="{FF2B5EF4-FFF2-40B4-BE49-F238E27FC236}">
+                <a16:creationId xmlns:a16="http://schemas.microsoft.com/office/drawing/2014/main" id="{674060E9-ADD7-5340-9708-92DFAE845D40}"/>
+              </a:ext>
+            </a:extLst>
+          </p:cNvPr>
+          <p:cNvSpPr/>
+          <p:nvPr/>
+        </p:nvSpPr>
+        <p:spPr>
+          <a:xfrm>
+            <a:off x="365256" y="1111178"/>
+            <a:ext cx="11509348" cy="4635643"/>
+          </a:xfrm>
+          <a:prstGeom prst="rect">
+            <a:avLst/>
+          </a:prstGeom>
+          <a:noFill/>
+          <a:ln>
+            <a:solidFill>
+              <a:schemeClr val="tx1"/>
+            </a:solidFill>
+          </a:ln>
+        </p:spPr>
+        <p:style>
+          <a:lnRef idx="2">
+            <a:schemeClr val="accent6"/>
+          </a:lnRef>
+          <a:fillRef idx="1">
+            <a:schemeClr val="lt1"/>
+          </a:fillRef>
+          <a:effectRef idx="0">
+            <a:schemeClr val="accent6"/>
+          </a:effectRef>
+          <a:fontRef idx="minor">
+            <a:schemeClr val="dk1"/>
+          </a:fontRef>
+        </p:style>
+        <p:txBody>
+          <a:bodyPr rtlCol="0" anchor="ctr"/>
+          <a:lstStyle/>
+          <a:p>
+            <a:pPr algn="ctr"/>
+            <a:endParaRPr lang="en-GB"/>
+          </a:p>
+        </p:txBody>
+      </p:sp>
+      <p:sp>
+        <p:nvSpPr>
+          <p:cNvPr id="7" name="Rectangle 6">
+            <a:extLst>
+              <a:ext uri="{FF2B5EF4-FFF2-40B4-BE49-F238E27FC236}">
+                <a16:creationId xmlns:a16="http://schemas.microsoft.com/office/drawing/2014/main" id="{CB0AEC85-DDEC-A948-89DB-C29E427A1882}"/>
+              </a:ext>
+            </a:extLst>
+          </p:cNvPr>
+          <p:cNvSpPr/>
+          <p:nvPr/>
+        </p:nvSpPr>
+        <p:spPr>
+          <a:xfrm>
+            <a:off x="365256" y="6011613"/>
+            <a:ext cx="11509348" cy="528992"/>
+          </a:xfrm>
+          <a:prstGeom prst="rect">
+            <a:avLst/>
+          </a:prstGeom>
+          <a:noFill/>
+          <a:ln>
+            <a:solidFill>
+              <a:schemeClr val="tx1"/>
+            </a:solidFill>
+          </a:ln>
+        </p:spPr>
+        <p:style>
+          <a:lnRef idx="2">
+            <a:schemeClr val="accent6"/>
+          </a:lnRef>
+          <a:fillRef idx="1">
+            <a:schemeClr val="lt1"/>
+          </a:fillRef>
+          <a:effectRef idx="0">
+            <a:schemeClr val="accent6"/>
+          </a:effectRef>
+          <a:fontRef idx="minor">
+            <a:schemeClr val="dk1"/>
+          </a:fontRef>
+        </p:style>
+        <p:txBody>
+          <a:bodyPr rtlCol="0" anchor="ctr"/>
+          <a:lstStyle/>
+          <a:p>
+            <a:pPr algn="ctr"/>
+            <a:endParaRPr lang="en-GB"/>
+          </a:p>
+        </p:txBody>
+      </p:sp>
+      <p:sp>
+        <p:nvSpPr>
+          <p:cNvPr id="12" name="TextBox 11">
+            <a:extLst>
+              <a:ext uri="{FF2B5EF4-FFF2-40B4-BE49-F238E27FC236}">
+                <a16:creationId xmlns:a16="http://schemas.microsoft.com/office/drawing/2014/main" id="{358E67CA-3C95-FF40-86BC-C555D6D7696D}"/>
+              </a:ext>
+            </a:extLst>
+          </p:cNvPr>
+          <p:cNvSpPr txBox="1"/>
+          <p:nvPr/>
+        </p:nvSpPr>
+        <p:spPr>
+          <a:xfrm>
+            <a:off x="439567" y="1166842"/>
+            <a:ext cx="11312865" cy="338554"/>
+          </a:xfrm>
+          <a:prstGeom prst="rect">
+            <a:avLst/>
+          </a:prstGeom>
+          <a:noFill/>
+          <a:ln>
+            <a:noFill/>
+          </a:ln>
+        </p:spPr>
+        <p:txBody>
+          <a:bodyPr wrap="square" rtlCol="0">
+            <a:spAutoFit/>
+          </a:bodyPr>
+          <a:lstStyle/>
+          <a:p>
+            <a:endParaRPr lang="en-GB" sz="1600" dirty="0"/>
+          </a:p>
+        </p:txBody>
+      </p:sp>
+    </p:spTree>
+    <p:extLst>
+      <p:ext uri="{BB962C8B-B14F-4D97-AF65-F5344CB8AC3E}">
+        <p14:creationId xmlns:p14="http://schemas.microsoft.com/office/powerpoint/2010/main" val="1001321663"/>
+      </p:ext>
+    </p:extLst>
+  </p:cSld>
+  <p:clrMapOvr>
+    <a:masterClrMapping/>
+  </p:clrMapOvr>
+</p:sld>
+</file>
+
+<file path=ppt/slides/slide13.xml><?xml version="1.0" encoding="utf-8"?>
+<p:sld xmlns:a="http://schemas.openxmlformats.org/drawingml/2006/main" xmlns:r="http://schemas.openxmlformats.org/officeDocument/2006/relationships" xmlns:p="http://schemas.openxmlformats.org/presentationml/2006/main">
+  <p:cSld>
+    <p:spTree>
+      <p:nvGrpSpPr>
+        <p:cNvPr id="1" name=""/>
+        <p:cNvGrpSpPr/>
+        <p:nvPr/>
+      </p:nvGrpSpPr>
+      <p:grpSpPr>
+        <a:xfrm>
+          <a:off x="0" y="0"/>
+          <a:ext cx="0" cy="0"/>
+          <a:chOff x="0" y="0"/>
+          <a:chExt cx="0" cy="0"/>
+        </a:xfrm>
+      </p:grpSpPr>
+    </p:spTree>
+    <p:extLst>
+      <p:ext uri="{BB962C8B-B14F-4D97-AF65-F5344CB8AC3E}">
+        <p14:creationId xmlns:p14="http://schemas.microsoft.com/office/powerpoint/2010/main" val="2047473254"/>
+      </p:ext>
+    </p:extLst>
+  </p:cSld>
+  <p:clrMapOvr>
+    <a:masterClrMapping/>
+  </p:clrMapOvr>
+</p:sld>
+</file>
+
+<file path=ppt/slides/slide14.xml><?xml version="1.0" encoding="utf-8"?>
+<p:sld xmlns:a="http://schemas.openxmlformats.org/drawingml/2006/main" xmlns:r="http://schemas.openxmlformats.org/officeDocument/2006/relationships" xmlns:p="http://schemas.openxmlformats.org/presentationml/2006/main">
+  <p:cSld>
+    <p:spTree>
+      <p:nvGrpSpPr>
+        <p:cNvPr id="1" name=""/>
+        <p:cNvGrpSpPr/>
+        <p:nvPr/>
+      </p:nvGrpSpPr>
+      <p:grpSpPr>
+        <a:xfrm>
+          <a:off x="0" y="0"/>
+          <a:ext cx="0" cy="0"/>
+          <a:chOff x="0" y="0"/>
+          <a:chExt cx="0" cy="0"/>
+        </a:xfrm>
+      </p:grpSpPr>
+      <p:sp>
+        <p:nvSpPr>
           <p:cNvPr id="2" name="Title 1">
             <a:extLst>
               <a:ext uri="{FF2B5EF4-FFF2-40B4-BE49-F238E27FC236}">
@@ -3787,16 +4675,50 @@
           <a:bodyPr/>
           <a:lstStyle/>
           <a:p>
+            <a:r>
+              <a:rPr lang="bg-BG" dirty="0"/>
+              <a:t>Въпроси?</a:t>
+            </a:r>
             <a:endParaRPr lang="en-GB" dirty="0"/>
           </a:p>
         </p:txBody>
       </p:sp>
-      <p:sp>
-        <p:nvSpPr>
-          <p:cNvPr id="3" name="Subtitle 2">
-            <a:extLst>
-              <a:ext uri="{FF2B5EF4-FFF2-40B4-BE49-F238E27FC236}">
-                <a16:creationId xmlns:a16="http://schemas.microsoft.com/office/drawing/2014/main" id="{F734B3AE-7C98-0D43-8D56-97A09CB779D4}"/>
+    </p:spTree>
+    <p:extLst>
+      <p:ext uri="{BB962C8B-B14F-4D97-AF65-F5344CB8AC3E}">
+        <p14:creationId xmlns:p14="http://schemas.microsoft.com/office/powerpoint/2010/main" val="1205255253"/>
+      </p:ext>
+    </p:extLst>
+  </p:cSld>
+  <p:clrMapOvr>
+    <a:masterClrMapping/>
+  </p:clrMapOvr>
+</p:sld>
+</file>
+
+<file path=ppt/slides/slide15.xml><?xml version="1.0" encoding="utf-8"?>
+<p:sld xmlns:a="http://schemas.openxmlformats.org/drawingml/2006/main" xmlns:r="http://schemas.openxmlformats.org/officeDocument/2006/relationships" xmlns:p="http://schemas.openxmlformats.org/presentationml/2006/main">
+  <p:cSld>
+    <p:spTree>
+      <p:nvGrpSpPr>
+        <p:cNvPr id="1" name=""/>
+        <p:cNvGrpSpPr/>
+        <p:nvPr/>
+      </p:nvGrpSpPr>
+      <p:grpSpPr>
+        <a:xfrm>
+          <a:off x="0" y="0"/>
+          <a:ext cx="0" cy="0"/>
+          <a:chOff x="0" y="0"/>
+          <a:chExt cx="0" cy="0"/>
+        </a:xfrm>
+      </p:grpSpPr>
+      <p:sp>
+        <p:nvSpPr>
+          <p:cNvPr id="2" name="Title 1">
+            <a:extLst>
+              <a:ext uri="{FF2B5EF4-FFF2-40B4-BE49-F238E27FC236}">
+                <a16:creationId xmlns:a16="http://schemas.microsoft.com/office/drawing/2014/main" id="{97540B52-23F4-6E46-8627-A44D941BDBC8}"/>
               </a:ext>
             </a:extLst>
           </p:cNvPr>
@@ -3804,22 +4726,38 @@
             <a:spLocks noGrp="1"/>
           </p:cNvSpPr>
           <p:nvPr>
-            <p:ph type="subTitle" idx="1"/>
+            <p:ph type="ctrTitle"/>
           </p:nvPr>
         </p:nvSpPr>
         <p:spPr/>
         <p:txBody>
-          <a:bodyPr/>
-          <a:lstStyle/>
-          <a:p>
-            <a:endParaRPr lang="en-GB"/>
+          <a:bodyPr>
+            <a:normAutofit fontScale="90000"/>
+          </a:bodyPr>
+          <a:lstStyle/>
+          <a:p>
+            <a:r>
+              <a:rPr lang="bg-BG" dirty="0"/>
+              <a:t>Край</a:t>
+            </a:r>
+            <a:br>
+              <a:rPr lang="bg-BG" dirty="0"/>
+            </a:br>
+            <a:br>
+              <a:rPr lang="bg-BG" dirty="0"/>
+            </a:br>
+            <a:r>
+              <a:rPr lang="bg-BG" dirty="0"/>
+              <a:t>Благодаря!</a:t>
+            </a:r>
+            <a:endParaRPr lang="en-GB" dirty="0"/>
           </a:p>
         </p:txBody>
       </p:sp>
     </p:spTree>
     <p:extLst>
       <p:ext uri="{BB962C8B-B14F-4D97-AF65-F5344CB8AC3E}">
-        <p14:creationId xmlns:p14="http://schemas.microsoft.com/office/powerpoint/2010/main" val="1205255253"/>
+        <p14:creationId xmlns:p14="http://schemas.microsoft.com/office/powerpoint/2010/main" val="182566601"/>
       </p:ext>
     </p:extLst>
   </p:cSld>
@@ -10320,6 +11258,1056 @@
           </a:p>
         </p:txBody>
       </p:sp>
+      <p:sp>
+        <p:nvSpPr>
+          <p:cNvPr id="8" name="Card 7">
+            <a:extLst>
+              <a:ext uri="{FF2B5EF4-FFF2-40B4-BE49-F238E27FC236}">
+                <a16:creationId xmlns:a16="http://schemas.microsoft.com/office/drawing/2014/main" id="{83AE707E-5960-B349-895E-8DB3531A0ACD}"/>
+              </a:ext>
+            </a:extLst>
+          </p:cNvPr>
+          <p:cNvSpPr/>
+          <p:nvPr/>
+        </p:nvSpPr>
+        <p:spPr>
+          <a:xfrm>
+            <a:off x="1392256" y="1286569"/>
+            <a:ext cx="525170" cy="614515"/>
+          </a:xfrm>
+          <a:prstGeom prst="flowChartPunchedCard">
+            <a:avLst/>
+          </a:prstGeom>
+          <a:solidFill>
+            <a:schemeClr val="bg1"/>
+          </a:solidFill>
+        </p:spPr>
+        <p:style>
+          <a:lnRef idx="2">
+            <a:schemeClr val="accent6"/>
+          </a:lnRef>
+          <a:fillRef idx="1">
+            <a:schemeClr val="lt1"/>
+          </a:fillRef>
+          <a:effectRef idx="0">
+            <a:schemeClr val="accent6"/>
+          </a:effectRef>
+          <a:fontRef idx="minor">
+            <a:schemeClr val="dk1"/>
+          </a:fontRef>
+        </p:style>
+        <p:txBody>
+          <a:bodyPr rtlCol="0" anchor="ctr"/>
+          <a:lstStyle/>
+          <a:p>
+            <a:r>
+              <a:rPr lang="en-GB" sz="1200" b="1" dirty="0"/>
+              <a:t>POM</a:t>
+            </a:r>
+          </a:p>
+        </p:txBody>
+      </p:sp>
+      <p:sp>
+        <p:nvSpPr>
+          <p:cNvPr id="9" name="Card 8">
+            <a:extLst>
+              <a:ext uri="{FF2B5EF4-FFF2-40B4-BE49-F238E27FC236}">
+                <a16:creationId xmlns:a16="http://schemas.microsoft.com/office/drawing/2014/main" id="{A151DF3E-E06D-0348-A204-81ACA9862DAF}"/>
+              </a:ext>
+            </a:extLst>
+          </p:cNvPr>
+          <p:cNvSpPr/>
+          <p:nvPr/>
+        </p:nvSpPr>
+        <p:spPr>
+          <a:xfrm>
+            <a:off x="9546555" y="1286569"/>
+            <a:ext cx="525170" cy="614515"/>
+          </a:xfrm>
+          <a:prstGeom prst="flowChartPunchedCard">
+            <a:avLst/>
+          </a:prstGeom>
+          <a:solidFill>
+            <a:schemeClr val="bg1"/>
+          </a:solidFill>
+        </p:spPr>
+        <p:style>
+          <a:lnRef idx="2">
+            <a:schemeClr val="accent6"/>
+          </a:lnRef>
+          <a:fillRef idx="1">
+            <a:schemeClr val="lt1"/>
+          </a:fillRef>
+          <a:effectRef idx="0">
+            <a:schemeClr val="accent6"/>
+          </a:effectRef>
+          <a:fontRef idx="minor">
+            <a:schemeClr val="dk1"/>
+          </a:fontRef>
+        </p:style>
+        <p:txBody>
+          <a:bodyPr rtlCol="0" anchor="ctr"/>
+          <a:lstStyle/>
+          <a:p>
+            <a:r>
+              <a:rPr lang="en-GB" sz="1200" b="1" dirty="0"/>
+              <a:t>POM</a:t>
+            </a:r>
+          </a:p>
+        </p:txBody>
+      </p:sp>
+      <p:sp>
+        <p:nvSpPr>
+          <p:cNvPr id="10" name="Card 9">
+            <a:extLst>
+              <a:ext uri="{FF2B5EF4-FFF2-40B4-BE49-F238E27FC236}">
+                <a16:creationId xmlns:a16="http://schemas.microsoft.com/office/drawing/2014/main" id="{90A73293-8A06-0949-B82A-17FA6B5980A5}"/>
+              </a:ext>
+            </a:extLst>
+          </p:cNvPr>
+          <p:cNvSpPr/>
+          <p:nvPr/>
+        </p:nvSpPr>
+        <p:spPr>
+          <a:xfrm>
+            <a:off x="615782" y="2844259"/>
+            <a:ext cx="525170" cy="614515"/>
+          </a:xfrm>
+          <a:prstGeom prst="flowChartPunchedCard">
+            <a:avLst/>
+          </a:prstGeom>
+          <a:solidFill>
+            <a:schemeClr val="bg1"/>
+          </a:solidFill>
+        </p:spPr>
+        <p:style>
+          <a:lnRef idx="2">
+            <a:schemeClr val="accent6"/>
+          </a:lnRef>
+          <a:fillRef idx="1">
+            <a:schemeClr val="lt1"/>
+          </a:fillRef>
+          <a:effectRef idx="0">
+            <a:schemeClr val="accent6"/>
+          </a:effectRef>
+          <a:fontRef idx="minor">
+            <a:schemeClr val="dk1"/>
+          </a:fontRef>
+        </p:style>
+        <p:txBody>
+          <a:bodyPr rtlCol="0" anchor="ctr"/>
+          <a:lstStyle/>
+          <a:p>
+            <a:r>
+              <a:rPr lang="en-GB" sz="1200" b="1" dirty="0"/>
+              <a:t>………………………</a:t>
+            </a:r>
+          </a:p>
+        </p:txBody>
+      </p:sp>
+      <p:sp>
+        <p:nvSpPr>
+          <p:cNvPr id="13" name="Card 12">
+            <a:extLst>
+              <a:ext uri="{FF2B5EF4-FFF2-40B4-BE49-F238E27FC236}">
+                <a16:creationId xmlns:a16="http://schemas.microsoft.com/office/drawing/2014/main" id="{86FEDE95-4201-A545-97F6-AD7C1B7272D4}"/>
+              </a:ext>
+            </a:extLst>
+          </p:cNvPr>
+          <p:cNvSpPr/>
+          <p:nvPr/>
+        </p:nvSpPr>
+        <p:spPr>
+          <a:xfrm>
+            <a:off x="2176539" y="2844260"/>
+            <a:ext cx="525170" cy="614515"/>
+          </a:xfrm>
+          <a:prstGeom prst="flowChartPunchedCard">
+            <a:avLst/>
+          </a:prstGeom>
+          <a:solidFill>
+            <a:schemeClr val="bg1"/>
+          </a:solidFill>
+        </p:spPr>
+        <p:style>
+          <a:lnRef idx="2">
+            <a:schemeClr val="accent6"/>
+          </a:lnRef>
+          <a:fillRef idx="1">
+            <a:schemeClr val="lt1"/>
+          </a:fillRef>
+          <a:effectRef idx="0">
+            <a:schemeClr val="accent6"/>
+          </a:effectRef>
+          <a:fontRef idx="minor">
+            <a:schemeClr val="dk1"/>
+          </a:fontRef>
+        </p:style>
+        <p:txBody>
+          <a:bodyPr rtlCol="0" anchor="ctr"/>
+          <a:lstStyle/>
+          <a:p>
+            <a:r>
+              <a:rPr lang="en-GB" sz="1200" b="1" dirty="0"/>
+              <a:t>………………………</a:t>
+            </a:r>
+          </a:p>
+        </p:txBody>
+      </p:sp>
+      <p:sp>
+        <p:nvSpPr>
+          <p:cNvPr id="3" name="Rectangle 2">
+            <a:extLst>
+              <a:ext uri="{FF2B5EF4-FFF2-40B4-BE49-F238E27FC236}">
+                <a16:creationId xmlns:a16="http://schemas.microsoft.com/office/drawing/2014/main" id="{DEFEB219-894A-7842-925C-1402698F65F6}"/>
+              </a:ext>
+            </a:extLst>
+          </p:cNvPr>
+          <p:cNvSpPr/>
+          <p:nvPr/>
+        </p:nvSpPr>
+        <p:spPr>
+          <a:xfrm>
+            <a:off x="2379359" y="1432602"/>
+            <a:ext cx="2674189" cy="307258"/>
+          </a:xfrm>
+          <a:prstGeom prst="rect">
+            <a:avLst/>
+          </a:prstGeom>
+          <a:ln>
+            <a:prstDash val="dash"/>
+          </a:ln>
+        </p:spPr>
+        <p:style>
+          <a:lnRef idx="2">
+            <a:schemeClr val="accent6"/>
+          </a:lnRef>
+          <a:fillRef idx="1">
+            <a:schemeClr val="lt1"/>
+          </a:fillRef>
+          <a:effectRef idx="0">
+            <a:schemeClr val="accent6"/>
+          </a:effectRef>
+          <a:fontRef idx="minor">
+            <a:schemeClr val="dk1"/>
+          </a:fontRef>
+        </p:style>
+        <p:txBody>
+          <a:bodyPr rtlCol="0" anchor="ctr"/>
+          <a:lstStyle/>
+          <a:p>
+            <a:pPr algn="ctr"/>
+            <a:r>
+              <a:rPr lang="en-GB" sz="1000" dirty="0"/>
+              <a:t>org.apache.logging.log4j:log4j-core:2.17.0</a:t>
+            </a:r>
+          </a:p>
+        </p:txBody>
+      </p:sp>
+      <p:cxnSp>
+        <p:nvCxnSpPr>
+          <p:cNvPr id="14" name="Straight Connector 13">
+            <a:extLst>
+              <a:ext uri="{FF2B5EF4-FFF2-40B4-BE49-F238E27FC236}">
+                <a16:creationId xmlns:a16="http://schemas.microsoft.com/office/drawing/2014/main" id="{175BE92A-72DC-094A-9E49-5A95FC847E11}"/>
+              </a:ext>
+            </a:extLst>
+          </p:cNvPr>
+          <p:cNvCxnSpPr>
+            <a:stCxn id="8" idx="3"/>
+            <a:endCxn id="3" idx="1"/>
+          </p:cNvCxnSpPr>
+          <p:nvPr/>
+        </p:nvCxnSpPr>
+        <p:spPr>
+          <a:xfrm flipV="1">
+            <a:off x="1917426" y="1586231"/>
+            <a:ext cx="461933" cy="7596"/>
+          </a:xfrm>
+          <a:prstGeom prst="line">
+            <a:avLst/>
+          </a:prstGeom>
+          <a:ln>
+            <a:solidFill>
+              <a:schemeClr val="tx1"/>
+            </a:solidFill>
+            <a:prstDash val="dash"/>
+          </a:ln>
+        </p:spPr>
+        <p:style>
+          <a:lnRef idx="1">
+            <a:schemeClr val="accent1"/>
+          </a:lnRef>
+          <a:fillRef idx="0">
+            <a:schemeClr val="accent1"/>
+          </a:fillRef>
+          <a:effectRef idx="0">
+            <a:schemeClr val="accent1"/>
+          </a:effectRef>
+          <a:fontRef idx="minor">
+            <a:schemeClr val="tx1"/>
+          </a:fontRef>
+        </p:style>
+      </p:cxnSp>
+      <p:sp>
+        <p:nvSpPr>
+          <p:cNvPr id="16" name="Rectangle 15">
+            <a:extLst>
+              <a:ext uri="{FF2B5EF4-FFF2-40B4-BE49-F238E27FC236}">
+                <a16:creationId xmlns:a16="http://schemas.microsoft.com/office/drawing/2014/main" id="{CD930F30-B32E-E540-B8D2-AE7A4CB7A450}"/>
+              </a:ext>
+            </a:extLst>
+          </p:cNvPr>
+          <p:cNvSpPr/>
+          <p:nvPr/>
+        </p:nvSpPr>
+        <p:spPr>
+          <a:xfrm>
+            <a:off x="1566112" y="3924311"/>
+            <a:ext cx="2674189" cy="307258"/>
+          </a:xfrm>
+          <a:prstGeom prst="rect">
+            <a:avLst/>
+          </a:prstGeom>
+          <a:ln>
+            <a:prstDash val="dash"/>
+          </a:ln>
+        </p:spPr>
+        <p:style>
+          <a:lnRef idx="2">
+            <a:schemeClr val="accent6"/>
+          </a:lnRef>
+          <a:fillRef idx="1">
+            <a:schemeClr val="lt1"/>
+          </a:fillRef>
+          <a:effectRef idx="0">
+            <a:schemeClr val="accent6"/>
+          </a:effectRef>
+          <a:fontRef idx="minor">
+            <a:schemeClr val="dk1"/>
+          </a:fontRef>
+        </p:style>
+        <p:txBody>
+          <a:bodyPr rtlCol="0" anchor="ctr"/>
+          <a:lstStyle/>
+          <a:p>
+            <a:pPr algn="ctr"/>
+            <a:r>
+              <a:rPr lang="en-GB" sz="1000" dirty="0"/>
+              <a:t>org.apache.logging.log4j:log4j-core:2.13.0</a:t>
+            </a:r>
+          </a:p>
+        </p:txBody>
+      </p:sp>
+      <p:cxnSp>
+        <p:nvCxnSpPr>
+          <p:cNvPr id="17" name="Straight Connector 16">
+            <a:extLst>
+              <a:ext uri="{FF2B5EF4-FFF2-40B4-BE49-F238E27FC236}">
+                <a16:creationId xmlns:a16="http://schemas.microsoft.com/office/drawing/2014/main" id="{974C56B7-FA9A-E543-A460-EB6F154F261F}"/>
+              </a:ext>
+            </a:extLst>
+          </p:cNvPr>
+          <p:cNvCxnSpPr>
+            <a:cxnSpLocks/>
+            <a:stCxn id="13" idx="2"/>
+            <a:endCxn id="16" idx="0"/>
+          </p:cNvCxnSpPr>
+          <p:nvPr/>
+        </p:nvCxnSpPr>
+        <p:spPr>
+          <a:xfrm>
+            <a:off x="2439124" y="3458775"/>
+            <a:ext cx="464083" cy="465536"/>
+          </a:xfrm>
+          <a:prstGeom prst="line">
+            <a:avLst/>
+          </a:prstGeom>
+          <a:ln>
+            <a:solidFill>
+              <a:schemeClr val="tx1"/>
+            </a:solidFill>
+            <a:prstDash val="dash"/>
+          </a:ln>
+        </p:spPr>
+        <p:style>
+          <a:lnRef idx="1">
+            <a:schemeClr val="accent1"/>
+          </a:lnRef>
+          <a:fillRef idx="0">
+            <a:schemeClr val="accent1"/>
+          </a:fillRef>
+          <a:effectRef idx="0">
+            <a:schemeClr val="accent1"/>
+          </a:effectRef>
+          <a:fontRef idx="minor">
+            <a:schemeClr val="tx1"/>
+          </a:fontRef>
+        </p:style>
+      </p:cxnSp>
+      <p:sp>
+        <p:nvSpPr>
+          <p:cNvPr id="18" name="Rectangle 17">
+            <a:extLst>
+              <a:ext uri="{FF2B5EF4-FFF2-40B4-BE49-F238E27FC236}">
+                <a16:creationId xmlns:a16="http://schemas.microsoft.com/office/drawing/2014/main" id="{8188424E-B243-124D-8A35-1A69DCDD2BFF}"/>
+              </a:ext>
+            </a:extLst>
+          </p:cNvPr>
+          <p:cNvSpPr/>
+          <p:nvPr/>
+        </p:nvSpPr>
+        <p:spPr>
+          <a:xfrm>
+            <a:off x="478804" y="5146381"/>
+            <a:ext cx="2674189" cy="307258"/>
+          </a:xfrm>
+          <a:prstGeom prst="rect">
+            <a:avLst/>
+          </a:prstGeom>
+          <a:ln>
+            <a:prstDash val="dash"/>
+          </a:ln>
+        </p:spPr>
+        <p:style>
+          <a:lnRef idx="2">
+            <a:schemeClr val="accent6"/>
+          </a:lnRef>
+          <a:fillRef idx="1">
+            <a:schemeClr val="lt1"/>
+          </a:fillRef>
+          <a:effectRef idx="0">
+            <a:schemeClr val="accent6"/>
+          </a:effectRef>
+          <a:fontRef idx="minor">
+            <a:schemeClr val="dk1"/>
+          </a:fontRef>
+        </p:style>
+        <p:txBody>
+          <a:bodyPr rtlCol="0" anchor="ctr"/>
+          <a:lstStyle/>
+          <a:p>
+            <a:pPr algn="ctr"/>
+            <a:r>
+              <a:rPr lang="en-GB" sz="1000" dirty="0"/>
+              <a:t>org.apache.logging.log4j:log4j-core:2.14.0</a:t>
+            </a:r>
+          </a:p>
+        </p:txBody>
+      </p:sp>
+      <p:cxnSp>
+        <p:nvCxnSpPr>
+          <p:cNvPr id="19" name="Straight Connector 18">
+            <a:extLst>
+              <a:ext uri="{FF2B5EF4-FFF2-40B4-BE49-F238E27FC236}">
+                <a16:creationId xmlns:a16="http://schemas.microsoft.com/office/drawing/2014/main" id="{AC0CF9C3-DCB7-AB48-BE02-D47547C175BC}"/>
+              </a:ext>
+            </a:extLst>
+          </p:cNvPr>
+          <p:cNvCxnSpPr>
+            <a:cxnSpLocks/>
+            <a:stCxn id="10" idx="2"/>
+            <a:endCxn id="18" idx="0"/>
+          </p:cNvCxnSpPr>
+          <p:nvPr/>
+        </p:nvCxnSpPr>
+        <p:spPr>
+          <a:xfrm>
+            <a:off x="878367" y="3458774"/>
+            <a:ext cx="937532" cy="1687607"/>
+          </a:xfrm>
+          <a:prstGeom prst="line">
+            <a:avLst/>
+          </a:prstGeom>
+          <a:ln>
+            <a:solidFill>
+              <a:schemeClr val="tx1"/>
+            </a:solidFill>
+            <a:prstDash val="dash"/>
+          </a:ln>
+        </p:spPr>
+        <p:style>
+          <a:lnRef idx="1">
+            <a:schemeClr val="accent1"/>
+          </a:lnRef>
+          <a:fillRef idx="0">
+            <a:schemeClr val="accent1"/>
+          </a:fillRef>
+          <a:effectRef idx="0">
+            <a:schemeClr val="accent1"/>
+          </a:effectRef>
+          <a:fontRef idx="minor">
+            <a:schemeClr val="tx1"/>
+          </a:fontRef>
+        </p:style>
+      </p:cxnSp>
+      <p:cxnSp>
+        <p:nvCxnSpPr>
+          <p:cNvPr id="26" name="Elbow Connector 25">
+            <a:extLst>
+              <a:ext uri="{FF2B5EF4-FFF2-40B4-BE49-F238E27FC236}">
+                <a16:creationId xmlns:a16="http://schemas.microsoft.com/office/drawing/2014/main" id="{9F2D3F20-23C5-B146-9135-25D57EC47898}"/>
+              </a:ext>
+            </a:extLst>
+          </p:cNvPr>
+          <p:cNvCxnSpPr>
+            <a:cxnSpLocks/>
+            <a:stCxn id="10" idx="0"/>
+            <a:endCxn id="8" idx="2"/>
+          </p:cNvCxnSpPr>
+          <p:nvPr/>
+        </p:nvCxnSpPr>
+        <p:spPr>
+          <a:xfrm rot="5400000" flipH="1" flipV="1">
+            <a:off x="795017" y="1984435"/>
+            <a:ext cx="943175" cy="776474"/>
+          </a:xfrm>
+          <a:prstGeom prst="bentConnector3">
+            <a:avLst>
+              <a:gd name="adj1" fmla="val 50000"/>
+            </a:avLst>
+          </a:prstGeom>
+          <a:ln>
+            <a:solidFill>
+              <a:schemeClr val="tx1"/>
+            </a:solidFill>
+            <a:tailEnd type="triangle"/>
+          </a:ln>
+        </p:spPr>
+        <p:style>
+          <a:lnRef idx="1">
+            <a:schemeClr val="accent1"/>
+          </a:lnRef>
+          <a:fillRef idx="0">
+            <a:schemeClr val="accent1"/>
+          </a:fillRef>
+          <a:effectRef idx="0">
+            <a:schemeClr val="accent1"/>
+          </a:effectRef>
+          <a:fontRef idx="minor">
+            <a:schemeClr val="tx1"/>
+          </a:fontRef>
+        </p:style>
+      </p:cxnSp>
+      <p:cxnSp>
+        <p:nvCxnSpPr>
+          <p:cNvPr id="29" name="Elbow Connector 28">
+            <a:extLst>
+              <a:ext uri="{FF2B5EF4-FFF2-40B4-BE49-F238E27FC236}">
+                <a16:creationId xmlns:a16="http://schemas.microsoft.com/office/drawing/2014/main" id="{C58593FC-81E3-1D49-83F4-8D5399AC9D1E}"/>
+              </a:ext>
+            </a:extLst>
+          </p:cNvPr>
+          <p:cNvCxnSpPr>
+            <a:stCxn id="8" idx="2"/>
+            <a:endCxn id="13" idx="0"/>
+          </p:cNvCxnSpPr>
+          <p:nvPr/>
+        </p:nvCxnSpPr>
+        <p:spPr>
+          <a:xfrm rot="16200000" flipH="1">
+            <a:off x="1575394" y="1980530"/>
+            <a:ext cx="943176" cy="784283"/>
+          </a:xfrm>
+          <a:prstGeom prst="bentConnector3">
+            <a:avLst/>
+          </a:prstGeom>
+          <a:ln>
+            <a:solidFill>
+              <a:schemeClr val="tx1"/>
+            </a:solidFill>
+          </a:ln>
+        </p:spPr>
+        <p:style>
+          <a:lnRef idx="1">
+            <a:schemeClr val="accent1"/>
+          </a:lnRef>
+          <a:fillRef idx="0">
+            <a:schemeClr val="accent1"/>
+          </a:fillRef>
+          <a:effectRef idx="0">
+            <a:schemeClr val="accent1"/>
+          </a:effectRef>
+          <a:fontRef idx="minor">
+            <a:schemeClr val="tx1"/>
+          </a:fontRef>
+        </p:style>
+      </p:cxnSp>
+      <p:sp>
+        <p:nvSpPr>
+          <p:cNvPr id="32" name="Rectangle 31">
+            <a:extLst>
+              <a:ext uri="{FF2B5EF4-FFF2-40B4-BE49-F238E27FC236}">
+                <a16:creationId xmlns:a16="http://schemas.microsoft.com/office/drawing/2014/main" id="{0D18CFD8-A0D6-9C47-AF25-BDA5A89AD24B}"/>
+              </a:ext>
+            </a:extLst>
+          </p:cNvPr>
+          <p:cNvSpPr/>
+          <p:nvPr/>
+        </p:nvSpPr>
+        <p:spPr>
+          <a:xfrm>
+            <a:off x="6410433" y="1440197"/>
+            <a:ext cx="2674189" cy="307258"/>
+          </a:xfrm>
+          <a:prstGeom prst="rect">
+            <a:avLst/>
+          </a:prstGeom>
+          <a:ln>
+            <a:prstDash val="dash"/>
+          </a:ln>
+        </p:spPr>
+        <p:style>
+          <a:lnRef idx="2">
+            <a:schemeClr val="accent6"/>
+          </a:lnRef>
+          <a:fillRef idx="1">
+            <a:schemeClr val="lt1"/>
+          </a:fillRef>
+          <a:effectRef idx="0">
+            <a:schemeClr val="accent6"/>
+          </a:effectRef>
+          <a:fontRef idx="minor">
+            <a:schemeClr val="dk1"/>
+          </a:fontRef>
+        </p:style>
+        <p:txBody>
+          <a:bodyPr rtlCol="0" anchor="ctr"/>
+          <a:lstStyle/>
+          <a:p>
+            <a:pPr algn="ctr"/>
+            <a:r>
+              <a:rPr lang="en-GB" sz="1000" dirty="0"/>
+              <a:t>org.apache.logging.log4j:log4j-core:2.17.0</a:t>
+            </a:r>
+          </a:p>
+        </p:txBody>
+      </p:sp>
+      <p:cxnSp>
+        <p:nvCxnSpPr>
+          <p:cNvPr id="33" name="Straight Connector 32">
+            <a:extLst>
+              <a:ext uri="{FF2B5EF4-FFF2-40B4-BE49-F238E27FC236}">
+                <a16:creationId xmlns:a16="http://schemas.microsoft.com/office/drawing/2014/main" id="{A191D8D6-7815-DD46-AB86-F89EEE8612F3}"/>
+              </a:ext>
+            </a:extLst>
+          </p:cNvPr>
+          <p:cNvCxnSpPr>
+            <a:cxnSpLocks/>
+            <a:stCxn id="9" idx="1"/>
+            <a:endCxn id="32" idx="3"/>
+          </p:cNvCxnSpPr>
+          <p:nvPr/>
+        </p:nvCxnSpPr>
+        <p:spPr>
+          <a:xfrm flipH="1" flipV="1">
+            <a:off x="9084622" y="1593826"/>
+            <a:ext cx="461933" cy="1"/>
+          </a:xfrm>
+          <a:prstGeom prst="line">
+            <a:avLst/>
+          </a:prstGeom>
+          <a:ln>
+            <a:solidFill>
+              <a:schemeClr val="tx1"/>
+            </a:solidFill>
+            <a:prstDash val="dash"/>
+          </a:ln>
+        </p:spPr>
+        <p:style>
+          <a:lnRef idx="1">
+            <a:schemeClr val="accent1"/>
+          </a:lnRef>
+          <a:fillRef idx="0">
+            <a:schemeClr val="accent1"/>
+          </a:fillRef>
+          <a:effectRef idx="0">
+            <a:schemeClr val="accent1"/>
+          </a:effectRef>
+          <a:fontRef idx="minor">
+            <a:schemeClr val="tx1"/>
+          </a:fontRef>
+        </p:style>
+      </p:cxnSp>
+      <p:sp>
+        <p:nvSpPr>
+          <p:cNvPr id="60" name="Card 59">
+            <a:extLst>
+              <a:ext uri="{FF2B5EF4-FFF2-40B4-BE49-F238E27FC236}">
+                <a16:creationId xmlns:a16="http://schemas.microsoft.com/office/drawing/2014/main" id="{73AA000B-37FC-B942-9CFE-15CA17FED0EA}"/>
+              </a:ext>
+            </a:extLst>
+          </p:cNvPr>
+          <p:cNvSpPr/>
+          <p:nvPr/>
+        </p:nvSpPr>
+        <p:spPr>
+          <a:xfrm>
+            <a:off x="8775421" y="2847751"/>
+            <a:ext cx="525170" cy="614515"/>
+          </a:xfrm>
+          <a:prstGeom prst="flowChartPunchedCard">
+            <a:avLst/>
+          </a:prstGeom>
+          <a:solidFill>
+            <a:schemeClr val="bg1"/>
+          </a:solidFill>
+        </p:spPr>
+        <p:style>
+          <a:lnRef idx="2">
+            <a:schemeClr val="accent6"/>
+          </a:lnRef>
+          <a:fillRef idx="1">
+            <a:schemeClr val="lt1"/>
+          </a:fillRef>
+          <a:effectRef idx="0">
+            <a:schemeClr val="accent6"/>
+          </a:effectRef>
+          <a:fontRef idx="minor">
+            <a:schemeClr val="dk1"/>
+          </a:fontRef>
+        </p:style>
+        <p:txBody>
+          <a:bodyPr rtlCol="0" anchor="ctr"/>
+          <a:lstStyle/>
+          <a:p>
+            <a:r>
+              <a:rPr lang="en-GB" sz="1200" b="1" dirty="0"/>
+              <a:t>………………………</a:t>
+            </a:r>
+          </a:p>
+        </p:txBody>
+      </p:sp>
+      <p:sp>
+        <p:nvSpPr>
+          <p:cNvPr id="61" name="Card 60">
+            <a:extLst>
+              <a:ext uri="{FF2B5EF4-FFF2-40B4-BE49-F238E27FC236}">
+                <a16:creationId xmlns:a16="http://schemas.microsoft.com/office/drawing/2014/main" id="{FEAAFEA2-14D2-1844-A80C-DC8076070A1B}"/>
+              </a:ext>
+            </a:extLst>
+          </p:cNvPr>
+          <p:cNvSpPr/>
+          <p:nvPr/>
+        </p:nvSpPr>
+        <p:spPr>
+          <a:xfrm>
+            <a:off x="10336178" y="2847752"/>
+            <a:ext cx="525170" cy="614515"/>
+          </a:xfrm>
+          <a:prstGeom prst="flowChartPunchedCard">
+            <a:avLst/>
+          </a:prstGeom>
+          <a:solidFill>
+            <a:schemeClr val="bg1"/>
+          </a:solidFill>
+        </p:spPr>
+        <p:style>
+          <a:lnRef idx="2">
+            <a:schemeClr val="accent6"/>
+          </a:lnRef>
+          <a:fillRef idx="1">
+            <a:schemeClr val="lt1"/>
+          </a:fillRef>
+          <a:effectRef idx="0">
+            <a:schemeClr val="accent6"/>
+          </a:effectRef>
+          <a:fontRef idx="minor">
+            <a:schemeClr val="dk1"/>
+          </a:fontRef>
+        </p:style>
+        <p:txBody>
+          <a:bodyPr rtlCol="0" anchor="ctr"/>
+          <a:lstStyle/>
+          <a:p>
+            <a:r>
+              <a:rPr lang="en-GB" sz="1200" b="1" dirty="0"/>
+              <a:t>………………………</a:t>
+            </a:r>
+          </a:p>
+        </p:txBody>
+      </p:sp>
+      <p:cxnSp>
+        <p:nvCxnSpPr>
+          <p:cNvPr id="62" name="Elbow Connector 61">
+            <a:extLst>
+              <a:ext uri="{FF2B5EF4-FFF2-40B4-BE49-F238E27FC236}">
+                <a16:creationId xmlns:a16="http://schemas.microsoft.com/office/drawing/2014/main" id="{920AEBD0-983C-D347-8B2F-65E1B4E124B0}"/>
+              </a:ext>
+            </a:extLst>
+          </p:cNvPr>
+          <p:cNvCxnSpPr>
+            <a:cxnSpLocks/>
+            <a:stCxn id="60" idx="0"/>
+          </p:cNvCxnSpPr>
+          <p:nvPr/>
+        </p:nvCxnSpPr>
+        <p:spPr>
+          <a:xfrm rot="5400000" flipH="1" flipV="1">
+            <a:off x="8954656" y="1987927"/>
+            <a:ext cx="943175" cy="776474"/>
+          </a:xfrm>
+          <a:prstGeom prst="bentConnector3">
+            <a:avLst>
+              <a:gd name="adj1" fmla="val 50000"/>
+            </a:avLst>
+          </a:prstGeom>
+          <a:ln>
+            <a:solidFill>
+              <a:schemeClr val="tx1"/>
+            </a:solidFill>
+            <a:tailEnd type="triangle"/>
+          </a:ln>
+        </p:spPr>
+        <p:style>
+          <a:lnRef idx="1">
+            <a:schemeClr val="accent1"/>
+          </a:lnRef>
+          <a:fillRef idx="0">
+            <a:schemeClr val="accent1"/>
+          </a:fillRef>
+          <a:effectRef idx="0">
+            <a:schemeClr val="accent1"/>
+          </a:effectRef>
+          <a:fontRef idx="minor">
+            <a:schemeClr val="tx1"/>
+          </a:fontRef>
+        </p:style>
+      </p:cxnSp>
+      <p:cxnSp>
+        <p:nvCxnSpPr>
+          <p:cNvPr id="63" name="Elbow Connector 62">
+            <a:extLst>
+              <a:ext uri="{FF2B5EF4-FFF2-40B4-BE49-F238E27FC236}">
+                <a16:creationId xmlns:a16="http://schemas.microsoft.com/office/drawing/2014/main" id="{A2702B7F-CE28-4F43-A86F-F3420A19FBE2}"/>
+              </a:ext>
+            </a:extLst>
+          </p:cNvPr>
+          <p:cNvCxnSpPr>
+            <a:endCxn id="61" idx="0"/>
+          </p:cNvCxnSpPr>
+          <p:nvPr/>
+        </p:nvCxnSpPr>
+        <p:spPr>
+          <a:xfrm rot="16200000" flipH="1">
+            <a:off x="9735033" y="1984022"/>
+            <a:ext cx="943176" cy="784283"/>
+          </a:xfrm>
+          <a:prstGeom prst="bentConnector3">
+            <a:avLst/>
+          </a:prstGeom>
+          <a:ln>
+            <a:solidFill>
+              <a:schemeClr val="tx1"/>
+            </a:solidFill>
+          </a:ln>
+        </p:spPr>
+        <p:style>
+          <a:lnRef idx="1">
+            <a:schemeClr val="accent1"/>
+          </a:lnRef>
+          <a:fillRef idx="0">
+            <a:schemeClr val="accent1"/>
+          </a:fillRef>
+          <a:effectRef idx="0">
+            <a:schemeClr val="accent1"/>
+          </a:effectRef>
+          <a:fontRef idx="minor">
+            <a:schemeClr val="tx1"/>
+          </a:fontRef>
+        </p:style>
+      </p:cxnSp>
+      <p:sp>
+        <p:nvSpPr>
+          <p:cNvPr id="67" name="Rectangle 66">
+            <a:extLst>
+              <a:ext uri="{FF2B5EF4-FFF2-40B4-BE49-F238E27FC236}">
+                <a16:creationId xmlns:a16="http://schemas.microsoft.com/office/drawing/2014/main" id="{DE15142C-15D8-AF4A-8774-1A5E8D33341D}"/>
+              </a:ext>
+            </a:extLst>
+          </p:cNvPr>
+          <p:cNvSpPr/>
+          <p:nvPr/>
+        </p:nvSpPr>
+        <p:spPr>
+          <a:xfrm>
+            <a:off x="8999083" y="3919347"/>
+            <a:ext cx="2674189" cy="307258"/>
+          </a:xfrm>
+          <a:prstGeom prst="rect">
+            <a:avLst/>
+          </a:prstGeom>
+          <a:ln>
+            <a:prstDash val="dash"/>
+          </a:ln>
+        </p:spPr>
+        <p:style>
+          <a:lnRef idx="2">
+            <a:schemeClr val="accent6"/>
+          </a:lnRef>
+          <a:fillRef idx="1">
+            <a:schemeClr val="lt1"/>
+          </a:fillRef>
+          <a:effectRef idx="0">
+            <a:schemeClr val="accent6"/>
+          </a:effectRef>
+          <a:fontRef idx="minor">
+            <a:schemeClr val="dk1"/>
+          </a:fontRef>
+        </p:style>
+        <p:txBody>
+          <a:bodyPr rtlCol="0" anchor="ctr"/>
+          <a:lstStyle/>
+          <a:p>
+            <a:pPr algn="ctr"/>
+            <a:r>
+              <a:rPr lang="en-GB" sz="1000" dirty="0"/>
+              <a:t>org.apache.logging.log4j:log4j-core:2.17.0</a:t>
+            </a:r>
+          </a:p>
+        </p:txBody>
+      </p:sp>
+      <p:cxnSp>
+        <p:nvCxnSpPr>
+          <p:cNvPr id="68" name="Straight Connector 67">
+            <a:extLst>
+              <a:ext uri="{FF2B5EF4-FFF2-40B4-BE49-F238E27FC236}">
+                <a16:creationId xmlns:a16="http://schemas.microsoft.com/office/drawing/2014/main" id="{72B3FADF-5BCD-584C-A8AD-70332DA472F6}"/>
+              </a:ext>
+            </a:extLst>
+          </p:cNvPr>
+          <p:cNvCxnSpPr>
+            <a:cxnSpLocks/>
+            <a:endCxn id="67" idx="0"/>
+          </p:cNvCxnSpPr>
+          <p:nvPr/>
+        </p:nvCxnSpPr>
+        <p:spPr>
+          <a:xfrm flipH="1">
+            <a:off x="10336178" y="3470726"/>
+            <a:ext cx="224263" cy="448621"/>
+          </a:xfrm>
+          <a:prstGeom prst="line">
+            <a:avLst/>
+          </a:prstGeom>
+          <a:ln>
+            <a:solidFill>
+              <a:schemeClr val="tx1"/>
+            </a:solidFill>
+            <a:prstDash val="dash"/>
+          </a:ln>
+        </p:spPr>
+        <p:style>
+          <a:lnRef idx="1">
+            <a:schemeClr val="accent1"/>
+          </a:lnRef>
+          <a:fillRef idx="0">
+            <a:schemeClr val="accent1"/>
+          </a:fillRef>
+          <a:effectRef idx="0">
+            <a:schemeClr val="accent1"/>
+          </a:effectRef>
+          <a:fontRef idx="minor">
+            <a:schemeClr val="tx1"/>
+          </a:fontRef>
+        </p:style>
+      </p:cxnSp>
+      <p:sp>
+        <p:nvSpPr>
+          <p:cNvPr id="69" name="Rectangle 68">
+            <a:extLst>
+              <a:ext uri="{FF2B5EF4-FFF2-40B4-BE49-F238E27FC236}">
+                <a16:creationId xmlns:a16="http://schemas.microsoft.com/office/drawing/2014/main" id="{234B63FB-7F2E-0348-8CB7-60E1B5D84588}"/>
+              </a:ext>
+            </a:extLst>
+          </p:cNvPr>
+          <p:cNvSpPr/>
+          <p:nvPr/>
+        </p:nvSpPr>
+        <p:spPr>
+          <a:xfrm>
+            <a:off x="6992295" y="5144571"/>
+            <a:ext cx="2674189" cy="307258"/>
+          </a:xfrm>
+          <a:prstGeom prst="rect">
+            <a:avLst/>
+          </a:prstGeom>
+          <a:ln>
+            <a:prstDash val="dash"/>
+          </a:ln>
+        </p:spPr>
+        <p:style>
+          <a:lnRef idx="2">
+            <a:schemeClr val="accent6"/>
+          </a:lnRef>
+          <a:fillRef idx="1">
+            <a:schemeClr val="lt1"/>
+          </a:fillRef>
+          <a:effectRef idx="0">
+            <a:schemeClr val="accent6"/>
+          </a:effectRef>
+          <a:fontRef idx="minor">
+            <a:schemeClr val="dk1"/>
+          </a:fontRef>
+        </p:style>
+        <p:txBody>
+          <a:bodyPr rtlCol="0" anchor="ctr"/>
+          <a:lstStyle/>
+          <a:p>
+            <a:pPr algn="ctr"/>
+            <a:r>
+              <a:rPr lang="en-GB" sz="1000" dirty="0"/>
+              <a:t>org.apache.logging.log4j:log4j-core:2.17.1</a:t>
+            </a:r>
+          </a:p>
+        </p:txBody>
+      </p:sp>
+      <p:cxnSp>
+        <p:nvCxnSpPr>
+          <p:cNvPr id="70" name="Straight Connector 69">
+            <a:extLst>
+              <a:ext uri="{FF2B5EF4-FFF2-40B4-BE49-F238E27FC236}">
+                <a16:creationId xmlns:a16="http://schemas.microsoft.com/office/drawing/2014/main" id="{D79A8F7C-E53F-9C45-B059-C29A28632F57}"/>
+              </a:ext>
+            </a:extLst>
+          </p:cNvPr>
+          <p:cNvCxnSpPr>
+            <a:cxnSpLocks/>
+            <a:stCxn id="60" idx="2"/>
+            <a:endCxn id="69" idx="0"/>
+          </p:cNvCxnSpPr>
+          <p:nvPr/>
+        </p:nvCxnSpPr>
+        <p:spPr>
+          <a:xfrm flipH="1">
+            <a:off x="8329390" y="3462266"/>
+            <a:ext cx="708616" cy="1682305"/>
+          </a:xfrm>
+          <a:prstGeom prst="line">
+            <a:avLst/>
+          </a:prstGeom>
+          <a:ln>
+            <a:solidFill>
+              <a:schemeClr val="tx1"/>
+            </a:solidFill>
+            <a:prstDash val="dash"/>
+          </a:ln>
+        </p:spPr>
+        <p:style>
+          <a:lnRef idx="1">
+            <a:schemeClr val="accent1"/>
+          </a:lnRef>
+          <a:fillRef idx="0">
+            <a:schemeClr val="accent1"/>
+          </a:fillRef>
+          <a:effectRef idx="0">
+            <a:schemeClr val="accent1"/>
+          </a:effectRef>
+          <a:fontRef idx="minor">
+            <a:schemeClr val="tx1"/>
+          </a:fontRef>
+        </p:style>
+      </p:cxnSp>
     </p:spTree>
     <p:extLst>
       <p:ext uri="{BB962C8B-B14F-4D97-AF65-F5344CB8AC3E}">
@@ -10535,249 +12523,10 @@
           </a:p>
         </p:txBody>
       </p:sp>
-      <p:sp>
-        <p:nvSpPr>
-          <p:cNvPr id="8" name="TextBox 7">
-            <a:extLst>
-              <a:ext uri="{FF2B5EF4-FFF2-40B4-BE49-F238E27FC236}">
-                <a16:creationId xmlns:a16="http://schemas.microsoft.com/office/drawing/2014/main" id="{515DB843-B4BA-ED43-82E0-AAA4A1A12D10}"/>
-              </a:ext>
-            </a:extLst>
-          </p:cNvPr>
-          <p:cNvSpPr txBox="1"/>
-          <p:nvPr/>
-        </p:nvSpPr>
-        <p:spPr>
-          <a:xfrm>
-            <a:off x="439567" y="403582"/>
-            <a:ext cx="11312865" cy="369332"/>
-          </a:xfrm>
-          <a:prstGeom prst="rect">
-            <a:avLst/>
-          </a:prstGeom>
-          <a:noFill/>
-          <a:ln>
-            <a:noFill/>
-          </a:ln>
-        </p:spPr>
-        <p:txBody>
-          <a:bodyPr wrap="square" rtlCol="0">
-            <a:spAutoFit/>
-          </a:bodyPr>
-          <a:lstStyle/>
-          <a:p>
-            <a:r>
-              <a:rPr lang="bg-BG" dirty="0"/>
-              <a:t>Списък с референции</a:t>
-            </a:r>
-            <a:endParaRPr lang="en-GB" dirty="0"/>
-          </a:p>
-        </p:txBody>
-      </p:sp>
-      <p:sp>
-        <p:nvSpPr>
-          <p:cNvPr id="9" name="TextBox 8">
-            <a:extLst>
-              <a:ext uri="{FF2B5EF4-FFF2-40B4-BE49-F238E27FC236}">
-                <a16:creationId xmlns:a16="http://schemas.microsoft.com/office/drawing/2014/main" id="{1A1C3C0B-2895-704E-903F-58ACAAF99C78}"/>
-              </a:ext>
-            </a:extLst>
-          </p:cNvPr>
-          <p:cNvSpPr txBox="1"/>
-          <p:nvPr/>
-        </p:nvSpPr>
-        <p:spPr>
-          <a:xfrm>
-            <a:off x="439567" y="1166842"/>
-            <a:ext cx="11312865" cy="2062103"/>
-          </a:xfrm>
-          <a:prstGeom prst="rect">
-            <a:avLst/>
-          </a:prstGeom>
-          <a:noFill/>
-          <a:ln>
-            <a:noFill/>
-          </a:ln>
-        </p:spPr>
-        <p:txBody>
-          <a:bodyPr wrap="square" numCol="2" rtlCol="0">
-            <a:spAutoFit/>
-          </a:bodyPr>
-          <a:lstStyle/>
-          <a:p>
-            <a:r>
-              <a:rPr lang="en-GB" sz="800" dirty="0">
-                <a:hlinkClick r:id="rId2"/>
-              </a:rPr>
-              <a:t>https://www.imperva.com/learn/application-security/zero-day-exploit/</a:t>
-            </a:r>
-            <a:endParaRPr lang="bg-BG" sz="800" dirty="0"/>
-          </a:p>
-          <a:p>
-            <a:endParaRPr lang="en-GB" sz="800" dirty="0"/>
-          </a:p>
-          <a:p>
-            <a:r>
-              <a:rPr lang="en-GB" sz="800" dirty="0">
-                <a:hlinkClick r:id="rId3"/>
-              </a:rPr>
-              <a:t>https://us.norton.com/internetsecurity-emerging-threats-how-do-zero-day-vulnerabilities-work.html</a:t>
-            </a:r>
-            <a:endParaRPr lang="bg-BG" sz="800" dirty="0"/>
-          </a:p>
-          <a:p>
-            <a:endParaRPr lang="bg-BG" sz="800" dirty="0"/>
-          </a:p>
-          <a:p>
-            <a:r>
-              <a:rPr lang="en-GB" sz="800" dirty="0">
-                <a:hlinkClick r:id="rId4"/>
-              </a:rPr>
-              <a:t>https://thesecmaster.com/how-does-the-log4j-vulnerability-work-in-practical/</a:t>
-            </a:r>
-            <a:endParaRPr lang="bg-BG" sz="800" dirty="0"/>
-          </a:p>
-          <a:p>
-            <a:endParaRPr lang="bg-BG" sz="800" dirty="0"/>
-          </a:p>
-          <a:p>
-            <a:r>
-              <a:rPr lang="en-GB" sz="800" dirty="0">
-                <a:hlinkClick r:id="rId5"/>
-              </a:rPr>
-              <a:t>https://d7umqicpi7263.cloudfront.net/img/product/a55efc60-f377-4559-8422-5e828ac7d5fc/1e42c890-e4fd-4bd8-9845-f028dccf0cf8.png</a:t>
-            </a:r>
-            <a:endParaRPr lang="en-GB" sz="800" dirty="0"/>
-          </a:p>
-          <a:p>
-            <a:endParaRPr lang="en-GB" sz="800" dirty="0"/>
-          </a:p>
-          <a:p>
-            <a:r>
-              <a:rPr lang="en-GB" sz="800" dirty="0">
-                <a:hlinkClick r:id="rId6"/>
-              </a:rPr>
-              <a:t>https://miro.medium.com/max/650/1*zzvdRmHGGXONZpuQ2FeqsQ.png</a:t>
-            </a:r>
-            <a:endParaRPr lang="en-GB" sz="800" dirty="0"/>
-          </a:p>
-          <a:p>
-            <a:endParaRPr lang="en-GB" sz="800" dirty="0"/>
-          </a:p>
-          <a:p>
-            <a:r>
-              <a:rPr lang="en-GB" sz="800" dirty="0">
-                <a:hlinkClick r:id="rId7"/>
-              </a:rPr>
-              <a:t>https://maven.apache.org/images/maven-logo-black-on-white.png</a:t>
-            </a:r>
-            <a:endParaRPr lang="en-GB" sz="800" dirty="0"/>
-          </a:p>
-          <a:p>
-            <a:endParaRPr lang="en-GB" sz="800" dirty="0"/>
-          </a:p>
-          <a:p>
-            <a:r>
-              <a:rPr lang="en-GB" sz="800" dirty="0">
-                <a:hlinkClick r:id="rId8"/>
-              </a:rPr>
-              <a:t>https://medium.com/swlh/sonarqube-part-2-features-of-sonarqube-installation-and-some-practice-on-sonarqube-d523ae9a998a</a:t>
-            </a:r>
-            <a:endParaRPr lang="en-GB" sz="800" dirty="0"/>
-          </a:p>
-          <a:p>
-            <a:endParaRPr lang="en-GB" sz="800" dirty="0"/>
-          </a:p>
-          <a:p>
-            <a:r>
-              <a:rPr lang="en-GB" sz="800" dirty="0">
-                <a:hlinkClick r:id="rId9"/>
-              </a:rPr>
-              <a:t>https://www.sonarqube.org/index/sq-homepage-og-image.png</a:t>
-            </a:r>
-            <a:endParaRPr lang="en-GB" sz="800" dirty="0"/>
-          </a:p>
-          <a:p>
-            <a:endParaRPr lang="en-GB" sz="800" dirty="0"/>
-          </a:p>
-          <a:p>
-            <a:r>
-              <a:rPr lang="en-GB" sz="800" dirty="0">
-                <a:hlinkClick r:id="rId10"/>
-              </a:rPr>
-              <a:t>https://www.sonarqube.org/</a:t>
-            </a:r>
-            <a:endParaRPr lang="en-GB" sz="800" dirty="0"/>
-          </a:p>
-          <a:p>
-            <a:endParaRPr lang="en-GB" sz="800" dirty="0"/>
-          </a:p>
-          <a:p>
-            <a:r>
-              <a:rPr lang="en-GB" sz="800" dirty="0">
-                <a:hlinkClick r:id="rId11"/>
-              </a:rPr>
-              <a:t>https://snyk.io/</a:t>
-            </a:r>
-            <a:endParaRPr lang="en-GB" sz="800" dirty="0"/>
-          </a:p>
-          <a:p>
-            <a:endParaRPr lang="en-GB" sz="800" dirty="0"/>
-          </a:p>
-          <a:p>
-            <a:r>
-              <a:rPr lang="en-GB" sz="800" dirty="0">
-                <a:hlinkClick r:id="rId12"/>
-              </a:rPr>
-              <a:t>https://www.taringamberini.com/en/blog/java/ready-to-use-java-dependencies-vulnerability-checker/</a:t>
-            </a:r>
-            <a:endParaRPr lang="en-GB" sz="800" dirty="0"/>
-          </a:p>
-          <a:p>
-            <a:endParaRPr lang="en-GB" sz="800" dirty="0"/>
-          </a:p>
-          <a:p>
-            <a:r>
-              <a:rPr lang="en-GB" sz="800" dirty="0">
-                <a:hlinkClick r:id="rId13"/>
-              </a:rPr>
-              <a:t>https://www.taringamberini.com/images/2016-03-02-ready-to-use-java-dependencies-vulnerability-checker/dependencies_graph_rampart-core-1.3.png</a:t>
-            </a:r>
-            <a:endParaRPr lang="en-GB" sz="800" dirty="0"/>
-          </a:p>
-          <a:p>
-            <a:endParaRPr lang="en-GB" sz="800" dirty="0"/>
-          </a:p>
-          <a:p>
-            <a:r>
-              <a:rPr lang="en-GB" sz="800" dirty="0">
-                <a:hlinkClick r:id="rId14"/>
-              </a:rPr>
-              <a:t>https://openclipart.org/detail/288357/anonymous-hacker-behind-pc</a:t>
-            </a:r>
-            <a:endParaRPr lang="en-GB" sz="800" dirty="0"/>
-          </a:p>
-          <a:p>
-            <a:endParaRPr lang="en-GB" sz="800" dirty="0"/>
-          </a:p>
-          <a:p>
-            <a:endParaRPr lang="bg-BG" sz="800" dirty="0"/>
-          </a:p>
-          <a:p>
-            <a:endParaRPr lang="bg-BG" sz="800" dirty="0"/>
-          </a:p>
-          <a:p>
-            <a:endParaRPr lang="en-GB" sz="800" dirty="0"/>
-          </a:p>
-          <a:p>
-            <a:endParaRPr lang="en-GB" sz="800" dirty="0"/>
-          </a:p>
-        </p:txBody>
-      </p:sp>
     </p:spTree>
     <p:extLst>
       <p:ext uri="{BB962C8B-B14F-4D97-AF65-F5344CB8AC3E}">
-        <p14:creationId xmlns:p14="http://schemas.microsoft.com/office/powerpoint/2010/main" val="1390439238"/>
+        <p14:creationId xmlns:p14="http://schemas.microsoft.com/office/powerpoint/2010/main" val="2409400845"/>
       </p:ext>
     </p:extLst>
   </p:cSld>
